--- a/classes/stats2026/Lecture01.pptx
+++ b/classes/stats2026/Lecture01.pptx
@@ -248,7 +248,7 @@
             <a:fld id="{6C0A1B98-4314-4C4D-9C75-EC030C639ADB}" type="datetimeFigureOut">
               <a:rPr lang="en-US" smtClean="0"/>
               <a:pPr/>
-              <a:t>1/12/2026</a:t>
+              <a:t>1/14/2026</a:t>
             </a:fld>
             <a:endParaRPr lang="en-US"/>
           </a:p>
@@ -1351,7 +1351,7 @@
             <a:fld id="{1D8BD707-D9CF-40AE-B4C6-C98DA3205C09}" type="datetimeFigureOut">
               <a:rPr lang="en-US" smtClean="0"/>
               <a:pPr/>
-              <a:t>1/12/2026</a:t>
+              <a:t>1/14/2026</a:t>
             </a:fld>
             <a:endParaRPr lang="en-US"/>
           </a:p>
@@ -1516,7 +1516,7 @@
             <a:fld id="{1D8BD707-D9CF-40AE-B4C6-C98DA3205C09}" type="datetimeFigureOut">
               <a:rPr lang="en-US" smtClean="0"/>
               <a:pPr/>
-              <a:t>1/12/2026</a:t>
+              <a:t>1/14/2026</a:t>
             </a:fld>
             <a:endParaRPr lang="en-US"/>
           </a:p>
@@ -1691,7 +1691,7 @@
             <a:fld id="{1D8BD707-D9CF-40AE-B4C6-C98DA3205C09}" type="datetimeFigureOut">
               <a:rPr lang="en-US" smtClean="0"/>
               <a:pPr/>
-              <a:t>1/12/2026</a:t>
+              <a:t>1/14/2026</a:t>
             </a:fld>
             <a:endParaRPr lang="en-US"/>
           </a:p>
@@ -1856,7 +1856,7 @@
             <a:fld id="{1D8BD707-D9CF-40AE-B4C6-C98DA3205C09}" type="datetimeFigureOut">
               <a:rPr lang="en-US" smtClean="0"/>
               <a:pPr/>
-              <a:t>1/12/2026</a:t>
+              <a:t>1/14/2026</a:t>
             </a:fld>
             <a:endParaRPr lang="en-US"/>
           </a:p>
@@ -2098,7 +2098,7 @@
             <a:fld id="{1D8BD707-D9CF-40AE-B4C6-C98DA3205C09}" type="datetimeFigureOut">
               <a:rPr lang="en-US" smtClean="0"/>
               <a:pPr/>
-              <a:t>1/12/2026</a:t>
+              <a:t>1/14/2026</a:t>
             </a:fld>
             <a:endParaRPr lang="en-US"/>
           </a:p>
@@ -2380,7 +2380,7 @@
             <a:fld id="{1D8BD707-D9CF-40AE-B4C6-C98DA3205C09}" type="datetimeFigureOut">
               <a:rPr lang="en-US" smtClean="0"/>
               <a:pPr/>
-              <a:t>1/12/2026</a:t>
+              <a:t>1/14/2026</a:t>
             </a:fld>
             <a:endParaRPr lang="en-US"/>
           </a:p>
@@ -2796,7 +2796,7 @@
             <a:fld id="{1D8BD707-D9CF-40AE-B4C6-C98DA3205C09}" type="datetimeFigureOut">
               <a:rPr lang="en-US" smtClean="0"/>
               <a:pPr/>
-              <a:t>1/12/2026</a:t>
+              <a:t>1/14/2026</a:t>
             </a:fld>
             <a:endParaRPr lang="en-US"/>
           </a:p>
@@ -2910,7 +2910,7 @@
             <a:fld id="{1D8BD707-D9CF-40AE-B4C6-C98DA3205C09}" type="datetimeFigureOut">
               <a:rPr lang="en-US" smtClean="0"/>
               <a:pPr/>
-              <a:t>1/12/2026</a:t>
+              <a:t>1/14/2026</a:t>
             </a:fld>
             <a:endParaRPr lang="en-US"/>
           </a:p>
@@ -3002,7 +3002,7 @@
             <a:fld id="{1D8BD707-D9CF-40AE-B4C6-C98DA3205C09}" type="datetimeFigureOut">
               <a:rPr lang="en-US" smtClean="0"/>
               <a:pPr/>
-              <a:t>1/12/2026</a:t>
+              <a:t>1/14/2026</a:t>
             </a:fld>
             <a:endParaRPr lang="en-US"/>
           </a:p>
@@ -3274,7 +3274,7 @@
             <a:fld id="{1D8BD707-D9CF-40AE-B4C6-C98DA3205C09}" type="datetimeFigureOut">
               <a:rPr lang="en-US" smtClean="0"/>
               <a:pPr/>
-              <a:t>1/12/2026</a:t>
+              <a:t>1/14/2026</a:t>
             </a:fld>
             <a:endParaRPr lang="en-US"/>
           </a:p>
@@ -3523,7 +3523,7 @@
             <a:fld id="{1D8BD707-D9CF-40AE-B4C6-C98DA3205C09}" type="datetimeFigureOut">
               <a:rPr lang="en-US" smtClean="0"/>
               <a:pPr/>
-              <a:t>1/12/2026</a:t>
+              <a:t>1/14/2026</a:t>
             </a:fld>
             <a:endParaRPr lang="en-US"/>
           </a:p>
@@ -3731,7 +3731,7 @@
             <a:fld id="{1D8BD707-D9CF-40AE-B4C6-C98DA3205C09}" type="datetimeFigureOut">
               <a:rPr lang="en-US" smtClean="0"/>
               <a:pPr/>
-              <a:t>1/12/2026</a:t>
+              <a:t>1/14/2026</a:t>
             </a:fld>
             <a:endParaRPr lang="en-US"/>
           </a:p>
@@ -9204,6 +9204,126 @@
             <a:r>
               <a:rPr lang="en-US" dirty="0"/>
               <a:t>nothing to hand in yet…</a:t>
+            </a:r>
+          </a:p>
+        </p:txBody>
+      </p:sp>
+      <p:sp>
+        <p:nvSpPr>
+          <p:cNvPr id="3" name="TextBox 2">
+            <a:extLst>
+              <a:ext uri="{FF2B5EF4-FFF2-40B4-BE49-F238E27FC236}">
+                <a16:creationId xmlns:a16="http://schemas.microsoft.com/office/drawing/2014/main" id="{55F07617-E3A1-6954-6518-73730FF37037}"/>
+              </a:ext>
+            </a:extLst>
+          </p:cNvPr>
+          <p:cNvSpPr txBox="1"/>
+          <p:nvPr/>
+        </p:nvSpPr>
+        <p:spPr>
+          <a:xfrm>
+            <a:off x="228600" y="2451438"/>
+            <a:ext cx="8763000" cy="2585323"/>
+          </a:xfrm>
+          <a:prstGeom prst="rect">
+            <a:avLst/>
+          </a:prstGeom>
+          <a:noFill/>
+        </p:spPr>
+        <p:txBody>
+          <a:bodyPr wrap="square">
+            <a:spAutoFit/>
+          </a:bodyPr>
+          <a:lstStyle/>
+          <a:p>
+            <a:pPr>
+              <a:buNone/>
+            </a:pPr>
+            <a:r>
+              <a:rPr lang="en-US" dirty="0"/>
+              <a:t>(3) Suppose you are given GC content for sequences from a human genome with values for many sequences:</a:t>
+            </a:r>
+          </a:p>
+          <a:p>
+            <a:pPr rtl="0">
+              <a:buNone/>
+            </a:pPr>
+            <a:r>
+              <a:rPr lang="en-US" dirty="0" err="1">
+                <a:latin typeface="Courier New" panose="02070309020205020404" pitchFamily="49" charset="0"/>
+              </a:rPr>
+              <a:t>gc</a:t>
+            </a:r>
+            <a:r>
+              <a:rPr lang="en-US" dirty="0">
+                <a:latin typeface="Courier New" panose="02070309020205020404" pitchFamily="49" charset="0"/>
+              </a:rPr>
+              <a:t> &lt;- </a:t>
+            </a:r>
+            <a:r>
+              <a:rPr lang="en-US" dirty="0" err="1">
+                <a:latin typeface="Courier New" panose="02070309020205020404" pitchFamily="49" charset="0"/>
+              </a:rPr>
+              <a:t>runif</a:t>
+            </a:r>
+            <a:r>
+              <a:rPr lang="en-US" dirty="0">
+                <a:latin typeface="Courier New" panose="02070309020205020404" pitchFamily="49" charset="0"/>
+              </a:rPr>
+              <a:t>(1000, min = 0.2, max = 0.8)</a:t>
+            </a:r>
+          </a:p>
+          <a:p>
+            <a:pPr>
+              <a:buFont typeface="+mj-lt"/>
+              <a:buAutoNum type="arabicPeriod"/>
+            </a:pPr>
+            <a:r>
+              <a:rPr lang="en-US" dirty="0"/>
+              <a:t>Plot a histogram of </a:t>
+            </a:r>
+            <a:r>
+              <a:rPr lang="en-US" dirty="0" err="1">
+                <a:latin typeface="Courier New" panose="02070309020205020404" pitchFamily="49" charset="0"/>
+              </a:rPr>
+              <a:t>gc</a:t>
+            </a:r>
+            <a:r>
+              <a:rPr lang="en-US" dirty="0"/>
+              <a:t>.</a:t>
+            </a:r>
+          </a:p>
+          <a:p>
+            <a:pPr>
+              <a:buFont typeface="+mj-lt"/>
+              <a:buAutoNum type="arabicPeriod"/>
+            </a:pPr>
+            <a:r>
+              <a:rPr lang="en-US" dirty="0"/>
+              <a:t>Compute the mean and standard deviation.</a:t>
+            </a:r>
+          </a:p>
+          <a:p>
+            <a:pPr>
+              <a:buFont typeface="+mj-lt"/>
+              <a:buAutoNum type="arabicPeriod"/>
+            </a:pPr>
+            <a:r>
+              <a:rPr lang="en-US" dirty="0"/>
+              <a:t>Does this look like a reasonable sequencing dataset? Why or why not?</a:t>
+            </a:r>
+          </a:p>
+          <a:p>
+            <a:pPr>
+              <a:buFont typeface="+mj-lt"/>
+              <a:buAutoNum type="arabicPeriod"/>
+            </a:pPr>
+            <a:endParaRPr lang="en-US" dirty="0"/>
+          </a:p>
+          <a:p>
+            <a:r>
+              <a:rPr lang="en-US" dirty="0"/>
+              <a:t>Feel free to feed this lecture to your favorite AI and ask it to quiz you on the contents and/or ask it for R exercises.</a:t>
             </a:r>
           </a:p>
         </p:txBody>
